--- a/slides/02_visual_APC.pptx
+++ b/slides/02_visual_APC.pptx
@@ -218,7 +218,7 @@
           <a:p>
             <a:fld id="{CE43C900-4BAF-4718-8FC3-6D9558F92656}" type="datetimeFigureOut">
               <a:rPr lang="en-US" smtClean="0"/>
-              <a:t>5/12/2023</a:t>
+              <a:t>5/16/2023</a:t>
             </a:fld>
             <a:endParaRPr lang="en-US"/>
           </a:p>
@@ -675,7 +675,7 @@
           <p:cNvPr id="2" name="Title 1">
             <a:extLst>
               <a:ext uri="{FF2B5EF4-FFF2-40B4-BE49-F238E27FC236}">
-                <a16:creationId xmlns:a16="http://schemas.microsoft.com/office/drawing/2014/main" xmlns="" id="{34D61655-B422-450F-842A-BFEDC1E9840F}"/>
+                <a16:creationId xmlns:a16="http://schemas.microsoft.com/office/drawing/2014/main" id="{34D61655-B422-450F-842A-BFEDC1E9840F}"/>
               </a:ext>
             </a:extLst>
           </p:cNvPr>
@@ -712,7 +712,7 @@
           <p:cNvPr id="3" name="Subtitle 2">
             <a:extLst>
               <a:ext uri="{FF2B5EF4-FFF2-40B4-BE49-F238E27FC236}">
-                <a16:creationId xmlns:a16="http://schemas.microsoft.com/office/drawing/2014/main" xmlns="" id="{FDD9CE40-9741-4EDB-80B6-3FE2A57E751C}"/>
+                <a16:creationId xmlns:a16="http://schemas.microsoft.com/office/drawing/2014/main" id="{FDD9CE40-9741-4EDB-80B6-3FE2A57E751C}"/>
               </a:ext>
             </a:extLst>
           </p:cNvPr>
@@ -782,7 +782,7 @@
           <p:cNvPr id="4" name="Date Placeholder 3">
             <a:extLst>
               <a:ext uri="{FF2B5EF4-FFF2-40B4-BE49-F238E27FC236}">
-                <a16:creationId xmlns:a16="http://schemas.microsoft.com/office/drawing/2014/main" xmlns="" id="{64D8C764-518E-4DA0-AF76-570FCC12AFBC}"/>
+                <a16:creationId xmlns:a16="http://schemas.microsoft.com/office/drawing/2014/main" id="{64D8C764-518E-4DA0-AF76-570FCC12AFBC}"/>
               </a:ext>
             </a:extLst>
           </p:cNvPr>
@@ -800,7 +800,7 @@
           <a:p>
             <a:fld id="{6D76A8BA-5FAE-4CF3-ACCC-95EC61FD0F15}" type="datetimeFigureOut">
               <a:rPr lang="en-US" smtClean="0"/>
-              <a:t>5/12/2023</a:t>
+              <a:t>5/16/2023</a:t>
             </a:fld>
             <a:endParaRPr lang="en-US"/>
           </a:p>
@@ -811,7 +811,7 @@
           <p:cNvPr id="5" name="Footer Placeholder 4">
             <a:extLst>
               <a:ext uri="{FF2B5EF4-FFF2-40B4-BE49-F238E27FC236}">
-                <a16:creationId xmlns:a16="http://schemas.microsoft.com/office/drawing/2014/main" xmlns="" id="{45FCD9DA-DCDE-4A72-A11E-C0BDD09A8CCB}"/>
+                <a16:creationId xmlns:a16="http://schemas.microsoft.com/office/drawing/2014/main" id="{45FCD9DA-DCDE-4A72-A11E-C0BDD09A8CCB}"/>
               </a:ext>
             </a:extLst>
           </p:cNvPr>
@@ -836,7 +836,7 @@
           <p:cNvPr id="6" name="Slide Number Placeholder 5">
             <a:extLst>
               <a:ext uri="{FF2B5EF4-FFF2-40B4-BE49-F238E27FC236}">
-                <a16:creationId xmlns:a16="http://schemas.microsoft.com/office/drawing/2014/main" xmlns="" id="{18565010-9131-4F3C-9514-AD914110BA60}"/>
+                <a16:creationId xmlns:a16="http://schemas.microsoft.com/office/drawing/2014/main" id="{18565010-9131-4F3C-9514-AD914110BA60}"/>
               </a:ext>
             </a:extLst>
           </p:cNvPr>
@@ -895,7 +895,7 @@
           <p:cNvPr id="2" name="Title 1">
             <a:extLst>
               <a:ext uri="{FF2B5EF4-FFF2-40B4-BE49-F238E27FC236}">
-                <a16:creationId xmlns:a16="http://schemas.microsoft.com/office/drawing/2014/main" xmlns="" id="{60952F06-3F70-4A5C-88D3-2BBD5028C404}"/>
+                <a16:creationId xmlns:a16="http://schemas.microsoft.com/office/drawing/2014/main" id="{60952F06-3F70-4A5C-88D3-2BBD5028C404}"/>
               </a:ext>
             </a:extLst>
           </p:cNvPr>
@@ -923,7 +923,7 @@
           <p:cNvPr id="3" name="Vertical Text Placeholder 2">
             <a:extLst>
               <a:ext uri="{FF2B5EF4-FFF2-40B4-BE49-F238E27FC236}">
-                <a16:creationId xmlns:a16="http://schemas.microsoft.com/office/drawing/2014/main" xmlns="" id="{F303775A-40B9-446A-B027-827834A599D4}"/>
+                <a16:creationId xmlns:a16="http://schemas.microsoft.com/office/drawing/2014/main" id="{F303775A-40B9-446A-B027-827834A599D4}"/>
               </a:ext>
             </a:extLst>
           </p:cNvPr>
@@ -980,7 +980,7 @@
           <p:cNvPr id="4" name="Date Placeholder 3">
             <a:extLst>
               <a:ext uri="{FF2B5EF4-FFF2-40B4-BE49-F238E27FC236}">
-                <a16:creationId xmlns:a16="http://schemas.microsoft.com/office/drawing/2014/main" xmlns="" id="{B1A03ED0-0467-4ACB-A1D1-3D2E237FAB9A}"/>
+                <a16:creationId xmlns:a16="http://schemas.microsoft.com/office/drawing/2014/main" id="{B1A03ED0-0467-4ACB-A1D1-3D2E237FAB9A}"/>
               </a:ext>
             </a:extLst>
           </p:cNvPr>
@@ -998,7 +998,7 @@
           <a:p>
             <a:fld id="{6D76A8BA-5FAE-4CF3-ACCC-95EC61FD0F15}" type="datetimeFigureOut">
               <a:rPr lang="en-US" smtClean="0"/>
-              <a:t>5/12/2023</a:t>
+              <a:t>5/16/2023</a:t>
             </a:fld>
             <a:endParaRPr lang="en-US"/>
           </a:p>
@@ -1009,7 +1009,7 @@
           <p:cNvPr id="5" name="Footer Placeholder 4">
             <a:extLst>
               <a:ext uri="{FF2B5EF4-FFF2-40B4-BE49-F238E27FC236}">
-                <a16:creationId xmlns:a16="http://schemas.microsoft.com/office/drawing/2014/main" xmlns="" id="{CB634B96-A28D-420D-8F96-6F4874399CBF}"/>
+                <a16:creationId xmlns:a16="http://schemas.microsoft.com/office/drawing/2014/main" id="{CB634B96-A28D-420D-8F96-6F4874399CBF}"/>
               </a:ext>
             </a:extLst>
           </p:cNvPr>
@@ -1034,7 +1034,7 @@
           <p:cNvPr id="6" name="Slide Number Placeholder 5">
             <a:extLst>
               <a:ext uri="{FF2B5EF4-FFF2-40B4-BE49-F238E27FC236}">
-                <a16:creationId xmlns:a16="http://schemas.microsoft.com/office/drawing/2014/main" xmlns="" id="{308752C2-60C2-4559-A8E1-C6631CD24395}"/>
+                <a16:creationId xmlns:a16="http://schemas.microsoft.com/office/drawing/2014/main" id="{308752C2-60C2-4559-A8E1-C6631CD24395}"/>
               </a:ext>
             </a:extLst>
           </p:cNvPr>
@@ -1093,7 +1093,7 @@
           <p:cNvPr id="2" name="Vertical Title 1">
             <a:extLst>
               <a:ext uri="{FF2B5EF4-FFF2-40B4-BE49-F238E27FC236}">
-                <a16:creationId xmlns:a16="http://schemas.microsoft.com/office/drawing/2014/main" xmlns="" id="{B7899610-D13F-4B5F-B5A6-46E570746CD6}"/>
+                <a16:creationId xmlns:a16="http://schemas.microsoft.com/office/drawing/2014/main" id="{B7899610-D13F-4B5F-B5A6-46E570746CD6}"/>
               </a:ext>
             </a:extLst>
           </p:cNvPr>
@@ -1126,7 +1126,7 @@
           <p:cNvPr id="3" name="Vertical Text Placeholder 2">
             <a:extLst>
               <a:ext uri="{FF2B5EF4-FFF2-40B4-BE49-F238E27FC236}">
-                <a16:creationId xmlns:a16="http://schemas.microsoft.com/office/drawing/2014/main" xmlns="" id="{E7886650-8F92-40E0-AB2F-8CB52C56D5FF}"/>
+                <a16:creationId xmlns:a16="http://schemas.microsoft.com/office/drawing/2014/main" id="{E7886650-8F92-40E0-AB2F-8CB52C56D5FF}"/>
               </a:ext>
             </a:extLst>
           </p:cNvPr>
@@ -1188,7 +1188,7 @@
           <p:cNvPr id="4" name="Date Placeholder 3">
             <a:extLst>
               <a:ext uri="{FF2B5EF4-FFF2-40B4-BE49-F238E27FC236}">
-                <a16:creationId xmlns:a16="http://schemas.microsoft.com/office/drawing/2014/main" xmlns="" id="{C8D713F4-AD2D-40DD-9BC5-12253F46CFDB}"/>
+                <a16:creationId xmlns:a16="http://schemas.microsoft.com/office/drawing/2014/main" id="{C8D713F4-AD2D-40DD-9BC5-12253F46CFDB}"/>
               </a:ext>
             </a:extLst>
           </p:cNvPr>
@@ -1206,7 +1206,7 @@
           <a:p>
             <a:fld id="{6D76A8BA-5FAE-4CF3-ACCC-95EC61FD0F15}" type="datetimeFigureOut">
               <a:rPr lang="en-US" smtClean="0"/>
-              <a:t>5/12/2023</a:t>
+              <a:t>5/16/2023</a:t>
             </a:fld>
             <a:endParaRPr lang="en-US"/>
           </a:p>
@@ -1217,7 +1217,7 @@
           <p:cNvPr id="5" name="Footer Placeholder 4">
             <a:extLst>
               <a:ext uri="{FF2B5EF4-FFF2-40B4-BE49-F238E27FC236}">
-                <a16:creationId xmlns:a16="http://schemas.microsoft.com/office/drawing/2014/main" xmlns="" id="{DD894A3F-B2FF-4949-AFFD-1316A3B8AC0B}"/>
+                <a16:creationId xmlns:a16="http://schemas.microsoft.com/office/drawing/2014/main" id="{DD894A3F-B2FF-4949-AFFD-1316A3B8AC0B}"/>
               </a:ext>
             </a:extLst>
           </p:cNvPr>
@@ -1242,7 +1242,7 @@
           <p:cNvPr id="6" name="Slide Number Placeholder 5">
             <a:extLst>
               <a:ext uri="{FF2B5EF4-FFF2-40B4-BE49-F238E27FC236}">
-                <a16:creationId xmlns:a16="http://schemas.microsoft.com/office/drawing/2014/main" xmlns="" id="{6C4D7612-02EA-41A0-AB35-5F76CB87219A}"/>
+                <a16:creationId xmlns:a16="http://schemas.microsoft.com/office/drawing/2014/main" id="{6C4D7612-02EA-41A0-AB35-5F76CB87219A}"/>
               </a:ext>
             </a:extLst>
           </p:cNvPr>
@@ -1301,7 +1301,7 @@
           <p:cNvPr id="2" name="Title 1">
             <a:extLst>
               <a:ext uri="{FF2B5EF4-FFF2-40B4-BE49-F238E27FC236}">
-                <a16:creationId xmlns:a16="http://schemas.microsoft.com/office/drawing/2014/main" xmlns="" id="{E2CD6B5A-17DA-4FFB-9531-D731FDC216C5}"/>
+                <a16:creationId xmlns:a16="http://schemas.microsoft.com/office/drawing/2014/main" id="{E2CD6B5A-17DA-4FFB-9531-D731FDC216C5}"/>
               </a:ext>
             </a:extLst>
           </p:cNvPr>
@@ -1329,7 +1329,7 @@
           <p:cNvPr id="3" name="Content Placeholder 2">
             <a:extLst>
               <a:ext uri="{FF2B5EF4-FFF2-40B4-BE49-F238E27FC236}">
-                <a16:creationId xmlns:a16="http://schemas.microsoft.com/office/drawing/2014/main" xmlns="" id="{5C1B0252-E78D-4457-AC7D-3A64143CF6DE}"/>
+                <a16:creationId xmlns:a16="http://schemas.microsoft.com/office/drawing/2014/main" id="{5C1B0252-E78D-4457-AC7D-3A64143CF6DE}"/>
               </a:ext>
             </a:extLst>
           </p:cNvPr>
@@ -1386,7 +1386,7 @@
           <p:cNvPr id="4" name="Date Placeholder 3">
             <a:extLst>
               <a:ext uri="{FF2B5EF4-FFF2-40B4-BE49-F238E27FC236}">
-                <a16:creationId xmlns:a16="http://schemas.microsoft.com/office/drawing/2014/main" xmlns="" id="{754E6642-BCD9-4CA4-B9AA-0D0D9E867D17}"/>
+                <a16:creationId xmlns:a16="http://schemas.microsoft.com/office/drawing/2014/main" id="{754E6642-BCD9-4CA4-B9AA-0D0D9E867D17}"/>
               </a:ext>
             </a:extLst>
           </p:cNvPr>
@@ -1404,7 +1404,7 @@
           <a:p>
             <a:fld id="{6D76A8BA-5FAE-4CF3-ACCC-95EC61FD0F15}" type="datetimeFigureOut">
               <a:rPr lang="en-US" smtClean="0"/>
-              <a:t>5/12/2023</a:t>
+              <a:t>5/16/2023</a:t>
             </a:fld>
             <a:endParaRPr lang="en-US"/>
           </a:p>
@@ -1415,7 +1415,7 @@
           <p:cNvPr id="5" name="Footer Placeholder 4">
             <a:extLst>
               <a:ext uri="{FF2B5EF4-FFF2-40B4-BE49-F238E27FC236}">
-                <a16:creationId xmlns:a16="http://schemas.microsoft.com/office/drawing/2014/main" xmlns="" id="{FD625D6B-0C41-4FAC-AC0A-77A5B0EB00FB}"/>
+                <a16:creationId xmlns:a16="http://schemas.microsoft.com/office/drawing/2014/main" id="{FD625D6B-0C41-4FAC-AC0A-77A5B0EB00FB}"/>
               </a:ext>
             </a:extLst>
           </p:cNvPr>
@@ -1440,7 +1440,7 @@
           <p:cNvPr id="6" name="Slide Number Placeholder 5">
             <a:extLst>
               <a:ext uri="{FF2B5EF4-FFF2-40B4-BE49-F238E27FC236}">
-                <a16:creationId xmlns:a16="http://schemas.microsoft.com/office/drawing/2014/main" xmlns="" id="{9C817699-0231-4BF0-AB80-D4B4B4790A4B}"/>
+                <a16:creationId xmlns:a16="http://schemas.microsoft.com/office/drawing/2014/main" id="{9C817699-0231-4BF0-AB80-D4B4B4790A4B}"/>
               </a:ext>
             </a:extLst>
           </p:cNvPr>
@@ -1499,7 +1499,7 @@
           <p:cNvPr id="2" name="Title 1">
             <a:extLst>
               <a:ext uri="{FF2B5EF4-FFF2-40B4-BE49-F238E27FC236}">
-                <a16:creationId xmlns:a16="http://schemas.microsoft.com/office/drawing/2014/main" xmlns="" id="{CBA169D6-6DE9-4543-AF47-AA2A1AAB3F86}"/>
+                <a16:creationId xmlns:a16="http://schemas.microsoft.com/office/drawing/2014/main" id="{CBA169D6-6DE9-4543-AF47-AA2A1AAB3F86}"/>
               </a:ext>
             </a:extLst>
           </p:cNvPr>
@@ -1536,7 +1536,7 @@
           <p:cNvPr id="3" name="Text Placeholder 2">
             <a:extLst>
               <a:ext uri="{FF2B5EF4-FFF2-40B4-BE49-F238E27FC236}">
-                <a16:creationId xmlns:a16="http://schemas.microsoft.com/office/drawing/2014/main" xmlns="" id="{C118BB79-5E19-4021-9C15-0CCC3E3919B1}"/>
+                <a16:creationId xmlns:a16="http://schemas.microsoft.com/office/drawing/2014/main" id="{C118BB79-5E19-4021-9C15-0CCC3E3919B1}"/>
               </a:ext>
             </a:extLst>
           </p:cNvPr>
@@ -1661,7 +1661,7 @@
           <p:cNvPr id="4" name="Date Placeholder 3">
             <a:extLst>
               <a:ext uri="{FF2B5EF4-FFF2-40B4-BE49-F238E27FC236}">
-                <a16:creationId xmlns:a16="http://schemas.microsoft.com/office/drawing/2014/main" xmlns="" id="{08090472-1BB3-489D-AFE9-C2331E8B51A9}"/>
+                <a16:creationId xmlns:a16="http://schemas.microsoft.com/office/drawing/2014/main" id="{08090472-1BB3-489D-AFE9-C2331E8B51A9}"/>
               </a:ext>
             </a:extLst>
           </p:cNvPr>
@@ -1679,7 +1679,7 @@
           <a:p>
             <a:fld id="{6D76A8BA-5FAE-4CF3-ACCC-95EC61FD0F15}" type="datetimeFigureOut">
               <a:rPr lang="en-US" smtClean="0"/>
-              <a:t>5/12/2023</a:t>
+              <a:t>5/16/2023</a:t>
             </a:fld>
             <a:endParaRPr lang="en-US"/>
           </a:p>
@@ -1690,7 +1690,7 @@
           <p:cNvPr id="5" name="Footer Placeholder 4">
             <a:extLst>
               <a:ext uri="{FF2B5EF4-FFF2-40B4-BE49-F238E27FC236}">
-                <a16:creationId xmlns:a16="http://schemas.microsoft.com/office/drawing/2014/main" xmlns="" id="{D188C7D4-BE0F-4445-8AB1-A5E068DDC7FD}"/>
+                <a16:creationId xmlns:a16="http://schemas.microsoft.com/office/drawing/2014/main" id="{D188C7D4-BE0F-4445-8AB1-A5E068DDC7FD}"/>
               </a:ext>
             </a:extLst>
           </p:cNvPr>
@@ -1715,7 +1715,7 @@
           <p:cNvPr id="6" name="Slide Number Placeholder 5">
             <a:extLst>
               <a:ext uri="{FF2B5EF4-FFF2-40B4-BE49-F238E27FC236}">
-                <a16:creationId xmlns:a16="http://schemas.microsoft.com/office/drawing/2014/main" xmlns="" id="{9AFEE32D-8961-49BA-B287-49254D4B66B2}"/>
+                <a16:creationId xmlns:a16="http://schemas.microsoft.com/office/drawing/2014/main" id="{9AFEE32D-8961-49BA-B287-49254D4B66B2}"/>
               </a:ext>
             </a:extLst>
           </p:cNvPr>
@@ -1774,7 +1774,7 @@
           <p:cNvPr id="2" name="Title 1">
             <a:extLst>
               <a:ext uri="{FF2B5EF4-FFF2-40B4-BE49-F238E27FC236}">
-                <a16:creationId xmlns:a16="http://schemas.microsoft.com/office/drawing/2014/main" xmlns="" id="{A457A54E-A691-49A2-8E36-5E402089111E}"/>
+                <a16:creationId xmlns:a16="http://schemas.microsoft.com/office/drawing/2014/main" id="{A457A54E-A691-49A2-8E36-5E402089111E}"/>
               </a:ext>
             </a:extLst>
           </p:cNvPr>
@@ -1802,7 +1802,7 @@
           <p:cNvPr id="3" name="Content Placeholder 2">
             <a:extLst>
               <a:ext uri="{FF2B5EF4-FFF2-40B4-BE49-F238E27FC236}">
-                <a16:creationId xmlns:a16="http://schemas.microsoft.com/office/drawing/2014/main" xmlns="" id="{C244910A-ED0F-42AB-8E50-BE563A391489}"/>
+                <a16:creationId xmlns:a16="http://schemas.microsoft.com/office/drawing/2014/main" id="{C244910A-ED0F-42AB-8E50-BE563A391489}"/>
               </a:ext>
             </a:extLst>
           </p:cNvPr>
@@ -1864,7 +1864,7 @@
           <p:cNvPr id="4" name="Content Placeholder 3">
             <a:extLst>
               <a:ext uri="{FF2B5EF4-FFF2-40B4-BE49-F238E27FC236}">
-                <a16:creationId xmlns:a16="http://schemas.microsoft.com/office/drawing/2014/main" xmlns="" id="{2A1B166D-9CD5-497B-8073-C626CDBC8131}"/>
+                <a16:creationId xmlns:a16="http://schemas.microsoft.com/office/drawing/2014/main" id="{2A1B166D-9CD5-497B-8073-C626CDBC8131}"/>
               </a:ext>
             </a:extLst>
           </p:cNvPr>
@@ -1926,7 +1926,7 @@
           <p:cNvPr id="5" name="Date Placeholder 4">
             <a:extLst>
               <a:ext uri="{FF2B5EF4-FFF2-40B4-BE49-F238E27FC236}">
-                <a16:creationId xmlns:a16="http://schemas.microsoft.com/office/drawing/2014/main" xmlns="" id="{2E370D3C-3333-45C6-82AB-8EE9F4AF603A}"/>
+                <a16:creationId xmlns:a16="http://schemas.microsoft.com/office/drawing/2014/main" id="{2E370D3C-3333-45C6-82AB-8EE9F4AF603A}"/>
               </a:ext>
             </a:extLst>
           </p:cNvPr>
@@ -1944,7 +1944,7 @@
           <a:p>
             <a:fld id="{6D76A8BA-5FAE-4CF3-ACCC-95EC61FD0F15}" type="datetimeFigureOut">
               <a:rPr lang="en-US" smtClean="0"/>
-              <a:t>5/12/2023</a:t>
+              <a:t>5/16/2023</a:t>
             </a:fld>
             <a:endParaRPr lang="en-US"/>
           </a:p>
@@ -1955,7 +1955,7 @@
           <p:cNvPr id="6" name="Footer Placeholder 5">
             <a:extLst>
               <a:ext uri="{FF2B5EF4-FFF2-40B4-BE49-F238E27FC236}">
-                <a16:creationId xmlns:a16="http://schemas.microsoft.com/office/drawing/2014/main" xmlns="" id="{73BE88BE-419F-4898-B3E5-7D95D19E1717}"/>
+                <a16:creationId xmlns:a16="http://schemas.microsoft.com/office/drawing/2014/main" id="{73BE88BE-419F-4898-B3E5-7D95D19E1717}"/>
               </a:ext>
             </a:extLst>
           </p:cNvPr>
@@ -1980,7 +1980,7 @@
           <p:cNvPr id="7" name="Slide Number Placeholder 6">
             <a:extLst>
               <a:ext uri="{FF2B5EF4-FFF2-40B4-BE49-F238E27FC236}">
-                <a16:creationId xmlns:a16="http://schemas.microsoft.com/office/drawing/2014/main" xmlns="" id="{0BBD2C5E-A855-41CF-9F09-C0285D2AE2D7}"/>
+                <a16:creationId xmlns:a16="http://schemas.microsoft.com/office/drawing/2014/main" id="{0BBD2C5E-A855-41CF-9F09-C0285D2AE2D7}"/>
               </a:ext>
             </a:extLst>
           </p:cNvPr>
@@ -2039,7 +2039,7 @@
           <p:cNvPr id="2" name="Title 1">
             <a:extLst>
               <a:ext uri="{FF2B5EF4-FFF2-40B4-BE49-F238E27FC236}">
-                <a16:creationId xmlns:a16="http://schemas.microsoft.com/office/drawing/2014/main" xmlns="" id="{ED460B03-5E0B-4E2C-A755-C14401976C70}"/>
+                <a16:creationId xmlns:a16="http://schemas.microsoft.com/office/drawing/2014/main" id="{ED460B03-5E0B-4E2C-A755-C14401976C70}"/>
               </a:ext>
             </a:extLst>
           </p:cNvPr>
@@ -2072,7 +2072,7 @@
           <p:cNvPr id="3" name="Text Placeholder 2">
             <a:extLst>
               <a:ext uri="{FF2B5EF4-FFF2-40B4-BE49-F238E27FC236}">
-                <a16:creationId xmlns:a16="http://schemas.microsoft.com/office/drawing/2014/main" xmlns="" id="{33661326-6A41-44DC-8C26-0006859280DE}"/>
+                <a16:creationId xmlns:a16="http://schemas.microsoft.com/office/drawing/2014/main" id="{33661326-6A41-44DC-8C26-0006859280DE}"/>
               </a:ext>
             </a:extLst>
           </p:cNvPr>
@@ -2143,7 +2143,7 @@
           <p:cNvPr id="4" name="Content Placeholder 3">
             <a:extLst>
               <a:ext uri="{FF2B5EF4-FFF2-40B4-BE49-F238E27FC236}">
-                <a16:creationId xmlns:a16="http://schemas.microsoft.com/office/drawing/2014/main" xmlns="" id="{2E06C5AA-3BAA-43C7-9275-0F86222F662E}"/>
+                <a16:creationId xmlns:a16="http://schemas.microsoft.com/office/drawing/2014/main" id="{2E06C5AA-3BAA-43C7-9275-0F86222F662E}"/>
               </a:ext>
             </a:extLst>
           </p:cNvPr>
@@ -2205,7 +2205,7 @@
           <p:cNvPr id="5" name="Text Placeholder 4">
             <a:extLst>
               <a:ext uri="{FF2B5EF4-FFF2-40B4-BE49-F238E27FC236}">
-                <a16:creationId xmlns:a16="http://schemas.microsoft.com/office/drawing/2014/main" xmlns="" id="{47BE7181-3282-4787-AAC0-8303FBE35D32}"/>
+                <a16:creationId xmlns:a16="http://schemas.microsoft.com/office/drawing/2014/main" id="{47BE7181-3282-4787-AAC0-8303FBE35D32}"/>
               </a:ext>
             </a:extLst>
           </p:cNvPr>
@@ -2276,7 +2276,7 @@
           <p:cNvPr id="6" name="Content Placeholder 5">
             <a:extLst>
               <a:ext uri="{FF2B5EF4-FFF2-40B4-BE49-F238E27FC236}">
-                <a16:creationId xmlns:a16="http://schemas.microsoft.com/office/drawing/2014/main" xmlns="" id="{ABC436C8-0BDE-475E-A8F2-34394ECEAB52}"/>
+                <a16:creationId xmlns:a16="http://schemas.microsoft.com/office/drawing/2014/main" id="{ABC436C8-0BDE-475E-A8F2-34394ECEAB52}"/>
               </a:ext>
             </a:extLst>
           </p:cNvPr>
@@ -2338,7 +2338,7 @@
           <p:cNvPr id="7" name="Date Placeholder 6">
             <a:extLst>
               <a:ext uri="{FF2B5EF4-FFF2-40B4-BE49-F238E27FC236}">
-                <a16:creationId xmlns:a16="http://schemas.microsoft.com/office/drawing/2014/main" xmlns="" id="{2756C94E-1A15-4167-B14A-FF46F758C2EA}"/>
+                <a16:creationId xmlns:a16="http://schemas.microsoft.com/office/drawing/2014/main" id="{2756C94E-1A15-4167-B14A-FF46F758C2EA}"/>
               </a:ext>
             </a:extLst>
           </p:cNvPr>
@@ -2356,7 +2356,7 @@
           <a:p>
             <a:fld id="{6D76A8BA-5FAE-4CF3-ACCC-95EC61FD0F15}" type="datetimeFigureOut">
               <a:rPr lang="en-US" smtClean="0"/>
-              <a:t>5/12/2023</a:t>
+              <a:t>5/16/2023</a:t>
             </a:fld>
             <a:endParaRPr lang="en-US"/>
           </a:p>
@@ -2367,7 +2367,7 @@
           <p:cNvPr id="8" name="Footer Placeholder 7">
             <a:extLst>
               <a:ext uri="{FF2B5EF4-FFF2-40B4-BE49-F238E27FC236}">
-                <a16:creationId xmlns:a16="http://schemas.microsoft.com/office/drawing/2014/main" xmlns="" id="{B05C24AB-2C40-4DE2-85C1-351820E740C5}"/>
+                <a16:creationId xmlns:a16="http://schemas.microsoft.com/office/drawing/2014/main" id="{B05C24AB-2C40-4DE2-85C1-351820E740C5}"/>
               </a:ext>
             </a:extLst>
           </p:cNvPr>
@@ -2392,7 +2392,7 @@
           <p:cNvPr id="9" name="Slide Number Placeholder 8">
             <a:extLst>
               <a:ext uri="{FF2B5EF4-FFF2-40B4-BE49-F238E27FC236}">
-                <a16:creationId xmlns:a16="http://schemas.microsoft.com/office/drawing/2014/main" xmlns="" id="{73E77886-178F-41D8-B9B8-8AF4624E91CE}"/>
+                <a16:creationId xmlns:a16="http://schemas.microsoft.com/office/drawing/2014/main" id="{73E77886-178F-41D8-B9B8-8AF4624E91CE}"/>
               </a:ext>
             </a:extLst>
           </p:cNvPr>
@@ -2451,7 +2451,7 @@
           <p:cNvPr id="2" name="Title 1">
             <a:extLst>
               <a:ext uri="{FF2B5EF4-FFF2-40B4-BE49-F238E27FC236}">
-                <a16:creationId xmlns:a16="http://schemas.microsoft.com/office/drawing/2014/main" xmlns="" id="{B7222B4D-BD79-4DD1-B4A7-5D3D8D3B6A1E}"/>
+                <a16:creationId xmlns:a16="http://schemas.microsoft.com/office/drawing/2014/main" id="{B7222B4D-BD79-4DD1-B4A7-5D3D8D3B6A1E}"/>
               </a:ext>
             </a:extLst>
           </p:cNvPr>
@@ -2479,7 +2479,7 @@
           <p:cNvPr id="3" name="Date Placeholder 2">
             <a:extLst>
               <a:ext uri="{FF2B5EF4-FFF2-40B4-BE49-F238E27FC236}">
-                <a16:creationId xmlns:a16="http://schemas.microsoft.com/office/drawing/2014/main" xmlns="" id="{55E8D4F8-E301-4A7C-B362-4CB250321F31}"/>
+                <a16:creationId xmlns:a16="http://schemas.microsoft.com/office/drawing/2014/main" id="{55E8D4F8-E301-4A7C-B362-4CB250321F31}"/>
               </a:ext>
             </a:extLst>
           </p:cNvPr>
@@ -2497,7 +2497,7 @@
           <a:p>
             <a:fld id="{6D76A8BA-5FAE-4CF3-ACCC-95EC61FD0F15}" type="datetimeFigureOut">
               <a:rPr lang="en-US" smtClean="0"/>
-              <a:t>5/12/2023</a:t>
+              <a:t>5/16/2023</a:t>
             </a:fld>
             <a:endParaRPr lang="en-US"/>
           </a:p>
@@ -2508,7 +2508,7 @@
           <p:cNvPr id="4" name="Footer Placeholder 3">
             <a:extLst>
               <a:ext uri="{FF2B5EF4-FFF2-40B4-BE49-F238E27FC236}">
-                <a16:creationId xmlns:a16="http://schemas.microsoft.com/office/drawing/2014/main" xmlns="" id="{D9FC674A-767A-4CF4-B37F-D8B61AB311FE}"/>
+                <a16:creationId xmlns:a16="http://schemas.microsoft.com/office/drawing/2014/main" id="{D9FC674A-767A-4CF4-B37F-D8B61AB311FE}"/>
               </a:ext>
             </a:extLst>
           </p:cNvPr>
@@ -2533,7 +2533,7 @@
           <p:cNvPr id="5" name="Slide Number Placeholder 4">
             <a:extLst>
               <a:ext uri="{FF2B5EF4-FFF2-40B4-BE49-F238E27FC236}">
-                <a16:creationId xmlns:a16="http://schemas.microsoft.com/office/drawing/2014/main" xmlns="" id="{4D8E2502-CB6D-4AEF-81D7-28E7E4D804A0}"/>
+                <a16:creationId xmlns:a16="http://schemas.microsoft.com/office/drawing/2014/main" id="{4D8E2502-CB6D-4AEF-81D7-28E7E4D804A0}"/>
               </a:ext>
             </a:extLst>
           </p:cNvPr>
@@ -2592,7 +2592,7 @@
           <p:cNvPr id="2" name="Date Placeholder 1">
             <a:extLst>
               <a:ext uri="{FF2B5EF4-FFF2-40B4-BE49-F238E27FC236}">
-                <a16:creationId xmlns:a16="http://schemas.microsoft.com/office/drawing/2014/main" xmlns="" id="{F148FA38-3B22-47CF-8C2D-2DC5983F30A0}"/>
+                <a16:creationId xmlns:a16="http://schemas.microsoft.com/office/drawing/2014/main" id="{F148FA38-3B22-47CF-8C2D-2DC5983F30A0}"/>
               </a:ext>
             </a:extLst>
           </p:cNvPr>
@@ -2610,7 +2610,7 @@
           <a:p>
             <a:fld id="{6D76A8BA-5FAE-4CF3-ACCC-95EC61FD0F15}" type="datetimeFigureOut">
               <a:rPr lang="en-US" smtClean="0"/>
-              <a:t>5/12/2023</a:t>
+              <a:t>5/16/2023</a:t>
             </a:fld>
             <a:endParaRPr lang="en-US"/>
           </a:p>
@@ -2621,7 +2621,7 @@
           <p:cNvPr id="3" name="Footer Placeholder 2">
             <a:extLst>
               <a:ext uri="{FF2B5EF4-FFF2-40B4-BE49-F238E27FC236}">
-                <a16:creationId xmlns:a16="http://schemas.microsoft.com/office/drawing/2014/main" xmlns="" id="{5F88EDE2-7467-463F-B84A-524F64F6DABC}"/>
+                <a16:creationId xmlns:a16="http://schemas.microsoft.com/office/drawing/2014/main" id="{5F88EDE2-7467-463F-B84A-524F64F6DABC}"/>
               </a:ext>
             </a:extLst>
           </p:cNvPr>
@@ -2646,7 +2646,7 @@
           <p:cNvPr id="4" name="Slide Number Placeholder 3">
             <a:extLst>
               <a:ext uri="{FF2B5EF4-FFF2-40B4-BE49-F238E27FC236}">
-                <a16:creationId xmlns:a16="http://schemas.microsoft.com/office/drawing/2014/main" xmlns="" id="{D2964296-9FE1-48F3-AAFD-468084B88879}"/>
+                <a16:creationId xmlns:a16="http://schemas.microsoft.com/office/drawing/2014/main" id="{D2964296-9FE1-48F3-AAFD-468084B88879}"/>
               </a:ext>
             </a:extLst>
           </p:cNvPr>
@@ -2705,7 +2705,7 @@
           <p:cNvPr id="2" name="Title 1">
             <a:extLst>
               <a:ext uri="{FF2B5EF4-FFF2-40B4-BE49-F238E27FC236}">
-                <a16:creationId xmlns:a16="http://schemas.microsoft.com/office/drawing/2014/main" xmlns="" id="{D0CF7463-E751-4E09-8648-1F6770EC37CC}"/>
+                <a16:creationId xmlns:a16="http://schemas.microsoft.com/office/drawing/2014/main" id="{D0CF7463-E751-4E09-8648-1F6770EC37CC}"/>
               </a:ext>
             </a:extLst>
           </p:cNvPr>
@@ -2742,7 +2742,7 @@
           <p:cNvPr id="3" name="Content Placeholder 2">
             <a:extLst>
               <a:ext uri="{FF2B5EF4-FFF2-40B4-BE49-F238E27FC236}">
-                <a16:creationId xmlns:a16="http://schemas.microsoft.com/office/drawing/2014/main" xmlns="" id="{2B117CEF-9342-4677-AE05-1E1F222F836B}"/>
+                <a16:creationId xmlns:a16="http://schemas.microsoft.com/office/drawing/2014/main" id="{2B117CEF-9342-4677-AE05-1E1F222F836B}"/>
               </a:ext>
             </a:extLst>
           </p:cNvPr>
@@ -2832,7 +2832,7 @@
           <p:cNvPr id="4" name="Text Placeholder 3">
             <a:extLst>
               <a:ext uri="{FF2B5EF4-FFF2-40B4-BE49-F238E27FC236}">
-                <a16:creationId xmlns:a16="http://schemas.microsoft.com/office/drawing/2014/main" xmlns="" id="{98132E5E-39AD-4AF5-9125-187BACF9E62C}"/>
+                <a16:creationId xmlns:a16="http://schemas.microsoft.com/office/drawing/2014/main" id="{98132E5E-39AD-4AF5-9125-187BACF9E62C}"/>
               </a:ext>
             </a:extLst>
           </p:cNvPr>
@@ -2903,7 +2903,7 @@
           <p:cNvPr id="5" name="Date Placeholder 4">
             <a:extLst>
               <a:ext uri="{FF2B5EF4-FFF2-40B4-BE49-F238E27FC236}">
-                <a16:creationId xmlns:a16="http://schemas.microsoft.com/office/drawing/2014/main" xmlns="" id="{1B8666E7-59E2-43FB-B24B-6C78CFB2E30E}"/>
+                <a16:creationId xmlns:a16="http://schemas.microsoft.com/office/drawing/2014/main" id="{1B8666E7-59E2-43FB-B24B-6C78CFB2E30E}"/>
               </a:ext>
             </a:extLst>
           </p:cNvPr>
@@ -2921,7 +2921,7 @@
           <a:p>
             <a:fld id="{6D76A8BA-5FAE-4CF3-ACCC-95EC61FD0F15}" type="datetimeFigureOut">
               <a:rPr lang="en-US" smtClean="0"/>
-              <a:t>5/12/2023</a:t>
+              <a:t>5/16/2023</a:t>
             </a:fld>
             <a:endParaRPr lang="en-US"/>
           </a:p>
@@ -2932,7 +2932,7 @@
           <p:cNvPr id="6" name="Footer Placeholder 5">
             <a:extLst>
               <a:ext uri="{FF2B5EF4-FFF2-40B4-BE49-F238E27FC236}">
-                <a16:creationId xmlns:a16="http://schemas.microsoft.com/office/drawing/2014/main" xmlns="" id="{2CD18B94-5A63-414C-A69E-800C251B5703}"/>
+                <a16:creationId xmlns:a16="http://schemas.microsoft.com/office/drawing/2014/main" id="{2CD18B94-5A63-414C-A69E-800C251B5703}"/>
               </a:ext>
             </a:extLst>
           </p:cNvPr>
@@ -2957,7 +2957,7 @@
           <p:cNvPr id="7" name="Slide Number Placeholder 6">
             <a:extLst>
               <a:ext uri="{FF2B5EF4-FFF2-40B4-BE49-F238E27FC236}">
-                <a16:creationId xmlns:a16="http://schemas.microsoft.com/office/drawing/2014/main" xmlns="" id="{5B27CC7E-BB02-4B99-87B1-2886E226EB00}"/>
+                <a16:creationId xmlns:a16="http://schemas.microsoft.com/office/drawing/2014/main" id="{5B27CC7E-BB02-4B99-87B1-2886E226EB00}"/>
               </a:ext>
             </a:extLst>
           </p:cNvPr>
@@ -3016,7 +3016,7 @@
           <p:cNvPr id="2" name="Title 1">
             <a:extLst>
               <a:ext uri="{FF2B5EF4-FFF2-40B4-BE49-F238E27FC236}">
-                <a16:creationId xmlns:a16="http://schemas.microsoft.com/office/drawing/2014/main" xmlns="" id="{8B162E77-7C33-4D1B-BB82-603CC7912911}"/>
+                <a16:creationId xmlns:a16="http://schemas.microsoft.com/office/drawing/2014/main" id="{8B162E77-7C33-4D1B-BB82-603CC7912911}"/>
               </a:ext>
             </a:extLst>
           </p:cNvPr>
@@ -3053,7 +3053,7 @@
           <p:cNvPr id="3" name="Picture Placeholder 2">
             <a:extLst>
               <a:ext uri="{FF2B5EF4-FFF2-40B4-BE49-F238E27FC236}">
-                <a16:creationId xmlns:a16="http://schemas.microsoft.com/office/drawing/2014/main" xmlns="" id="{C7B453AA-E889-4516-AA64-307179BDFC07}"/>
+                <a16:creationId xmlns:a16="http://schemas.microsoft.com/office/drawing/2014/main" id="{C7B453AA-E889-4516-AA64-307179BDFC07}"/>
               </a:ext>
             </a:extLst>
           </p:cNvPr>
@@ -3120,7 +3120,7 @@
           <p:cNvPr id="4" name="Text Placeholder 3">
             <a:extLst>
               <a:ext uri="{FF2B5EF4-FFF2-40B4-BE49-F238E27FC236}">
-                <a16:creationId xmlns:a16="http://schemas.microsoft.com/office/drawing/2014/main" xmlns="" id="{F5422224-E13A-4EBB-B8DB-5F87DBC6731B}"/>
+                <a16:creationId xmlns:a16="http://schemas.microsoft.com/office/drawing/2014/main" id="{F5422224-E13A-4EBB-B8DB-5F87DBC6731B}"/>
               </a:ext>
             </a:extLst>
           </p:cNvPr>
@@ -3191,7 +3191,7 @@
           <p:cNvPr id="5" name="Date Placeholder 4">
             <a:extLst>
               <a:ext uri="{FF2B5EF4-FFF2-40B4-BE49-F238E27FC236}">
-                <a16:creationId xmlns:a16="http://schemas.microsoft.com/office/drawing/2014/main" xmlns="" id="{07B86640-1348-4FBB-A91B-451451FCBC31}"/>
+                <a16:creationId xmlns:a16="http://schemas.microsoft.com/office/drawing/2014/main" id="{07B86640-1348-4FBB-A91B-451451FCBC31}"/>
               </a:ext>
             </a:extLst>
           </p:cNvPr>
@@ -3209,7 +3209,7 @@
           <a:p>
             <a:fld id="{6D76A8BA-5FAE-4CF3-ACCC-95EC61FD0F15}" type="datetimeFigureOut">
               <a:rPr lang="en-US" smtClean="0"/>
-              <a:t>5/12/2023</a:t>
+              <a:t>5/16/2023</a:t>
             </a:fld>
             <a:endParaRPr lang="en-US"/>
           </a:p>
@@ -3220,7 +3220,7 @@
           <p:cNvPr id="6" name="Footer Placeholder 5">
             <a:extLst>
               <a:ext uri="{FF2B5EF4-FFF2-40B4-BE49-F238E27FC236}">
-                <a16:creationId xmlns:a16="http://schemas.microsoft.com/office/drawing/2014/main" xmlns="" id="{E9AD6683-A6E3-4DF9-B32B-98E4571D6337}"/>
+                <a16:creationId xmlns:a16="http://schemas.microsoft.com/office/drawing/2014/main" id="{E9AD6683-A6E3-4DF9-B32B-98E4571D6337}"/>
               </a:ext>
             </a:extLst>
           </p:cNvPr>
@@ -3245,7 +3245,7 @@
           <p:cNvPr id="7" name="Slide Number Placeholder 6">
             <a:extLst>
               <a:ext uri="{FF2B5EF4-FFF2-40B4-BE49-F238E27FC236}">
-                <a16:creationId xmlns:a16="http://schemas.microsoft.com/office/drawing/2014/main" xmlns="" id="{C2721007-43AB-4FDF-B043-F9E9658331D7}"/>
+                <a16:creationId xmlns:a16="http://schemas.microsoft.com/office/drawing/2014/main" id="{C2721007-43AB-4FDF-B043-F9E9658331D7}"/>
               </a:ext>
             </a:extLst>
           </p:cNvPr>
@@ -3309,7 +3309,7 @@
           <p:cNvPr id="2" name="Title Placeholder 1">
             <a:extLst>
               <a:ext uri="{FF2B5EF4-FFF2-40B4-BE49-F238E27FC236}">
-                <a16:creationId xmlns:a16="http://schemas.microsoft.com/office/drawing/2014/main" xmlns="" id="{D8B75315-4359-438D-B7DA-39AF13595FCF}"/>
+                <a16:creationId xmlns:a16="http://schemas.microsoft.com/office/drawing/2014/main" id="{D8B75315-4359-438D-B7DA-39AF13595FCF}"/>
               </a:ext>
             </a:extLst>
           </p:cNvPr>
@@ -3347,7 +3347,7 @@
           <p:cNvPr id="3" name="Text Placeholder 2">
             <a:extLst>
               <a:ext uri="{FF2B5EF4-FFF2-40B4-BE49-F238E27FC236}">
-                <a16:creationId xmlns:a16="http://schemas.microsoft.com/office/drawing/2014/main" xmlns="" id="{AF479BBA-264D-4B97-A2C7-ED1E495D924E}"/>
+                <a16:creationId xmlns:a16="http://schemas.microsoft.com/office/drawing/2014/main" id="{AF479BBA-264D-4B97-A2C7-ED1E495D924E}"/>
               </a:ext>
             </a:extLst>
           </p:cNvPr>
@@ -3414,7 +3414,7 @@
           <p:cNvPr id="4" name="Date Placeholder 3">
             <a:extLst>
               <a:ext uri="{FF2B5EF4-FFF2-40B4-BE49-F238E27FC236}">
-                <a16:creationId xmlns:a16="http://schemas.microsoft.com/office/drawing/2014/main" xmlns="" id="{B9836CDA-D93E-4C5E-82CD-A258A6557824}"/>
+                <a16:creationId xmlns:a16="http://schemas.microsoft.com/office/drawing/2014/main" id="{B9836CDA-D93E-4C5E-82CD-A258A6557824}"/>
               </a:ext>
             </a:extLst>
           </p:cNvPr>
@@ -3450,7 +3450,7 @@
           <a:p>
             <a:fld id="{6D76A8BA-5FAE-4CF3-ACCC-95EC61FD0F15}" type="datetimeFigureOut">
               <a:rPr lang="en-US" smtClean="0"/>
-              <a:t>5/12/2023</a:t>
+              <a:t>5/16/2023</a:t>
             </a:fld>
             <a:endParaRPr lang="en-US"/>
           </a:p>
@@ -3461,7 +3461,7 @@
           <p:cNvPr id="5" name="Footer Placeholder 4">
             <a:extLst>
               <a:ext uri="{FF2B5EF4-FFF2-40B4-BE49-F238E27FC236}">
-                <a16:creationId xmlns:a16="http://schemas.microsoft.com/office/drawing/2014/main" xmlns="" id="{723D0082-E37C-4B78-B647-64D8C1853476}"/>
+                <a16:creationId xmlns:a16="http://schemas.microsoft.com/office/drawing/2014/main" id="{723D0082-E37C-4B78-B647-64D8C1853476}"/>
               </a:ext>
             </a:extLst>
           </p:cNvPr>
@@ -3504,7 +3504,7 @@
           <p:cNvPr id="6" name="Slide Number Placeholder 5">
             <a:extLst>
               <a:ext uri="{FF2B5EF4-FFF2-40B4-BE49-F238E27FC236}">
-                <a16:creationId xmlns:a16="http://schemas.microsoft.com/office/drawing/2014/main" xmlns="" id="{0E0E519D-B207-473F-8FFF-D841FCC1E036}"/>
+                <a16:creationId xmlns:a16="http://schemas.microsoft.com/office/drawing/2014/main" id="{0E0E519D-B207-473F-8FFF-D841FCC1E036}"/>
               </a:ext>
             </a:extLst>
           </p:cNvPr>
@@ -3959,7 +3959,7 @@
             <a:pPr algn="l"/>
             <a:r>
               <a:rPr lang="en-US" dirty="0"/>
-              <a:t>15.05.2023</a:t>
+              <a:t>16.05.2023</a:t>
             </a:r>
           </a:p>
         </p:txBody>
@@ -3969,7 +3969,7 @@
           <p:cNvPr id="4" name="Picture 3">
             <a:extLst>
               <a:ext uri="{FF2B5EF4-FFF2-40B4-BE49-F238E27FC236}">
-                <a16:creationId xmlns:a16="http://schemas.microsoft.com/office/drawing/2014/main" xmlns="" id="{699543CA-89DB-4D71-BE86-2A4DBF78CDCC}"/>
+                <a16:creationId xmlns:a16="http://schemas.microsoft.com/office/drawing/2014/main" id="{699543CA-89DB-4D71-BE86-2A4DBF78CDCC}"/>
               </a:ext>
             </a:extLst>
           </p:cNvPr>
@@ -4131,7 +4131,7 @@
           <p:cNvPr id="7" name="Title 1">
             <a:extLst>
               <a:ext uri="{FF2B5EF4-FFF2-40B4-BE49-F238E27FC236}">
-                <a16:creationId xmlns:a16="http://schemas.microsoft.com/office/drawing/2014/main" xmlns="" id="{8C8FEB66-D396-4353-AE77-D2F4D3151913}"/>
+                <a16:creationId xmlns:a16="http://schemas.microsoft.com/office/drawing/2014/main" id="{8C8FEB66-D396-4353-AE77-D2F4D3151913}"/>
               </a:ext>
             </a:extLst>
           </p:cNvPr>
@@ -4415,7 +4415,7 @@
                   <a:srgbClr val="FF0000"/>
                 </a:solidFill>
               </a:rPr>
-              <a:t>Work in groups (10 mins)</a:t>
+              <a:t>Work in groups (5 mins)</a:t>
             </a:r>
           </a:p>
           <a:p>
@@ -4464,7 +4464,7 @@
           <p:cNvPr id="7" name="Title 1">
             <a:extLst>
               <a:ext uri="{FF2B5EF4-FFF2-40B4-BE49-F238E27FC236}">
-                <a16:creationId xmlns:a16="http://schemas.microsoft.com/office/drawing/2014/main" xmlns="" id="{8C8FEB66-D396-4353-AE77-D2F4D3151913}"/>
+                <a16:creationId xmlns:a16="http://schemas.microsoft.com/office/drawing/2014/main" id="{8C8FEB66-D396-4353-AE77-D2F4D3151913}"/>
               </a:ext>
             </a:extLst>
           </p:cNvPr>
@@ -4653,7 +4653,7 @@
           <p:cNvPr id="4" name="Title 1">
             <a:extLst>
               <a:ext uri="{FF2B5EF4-FFF2-40B4-BE49-F238E27FC236}">
-                <a16:creationId xmlns:a16="http://schemas.microsoft.com/office/drawing/2014/main" xmlns="" id="{B61A53CA-7D7A-4063-884C-4CD88C0C74CB}"/>
+                <a16:creationId xmlns:a16="http://schemas.microsoft.com/office/drawing/2014/main" id="{B61A53CA-7D7A-4063-884C-4CD88C0C74CB}"/>
               </a:ext>
             </a:extLst>
           </p:cNvPr>
@@ -5166,7 +5166,7 @@
           <p:cNvPr id="12" name="Title 1">
             <a:extLst>
               <a:ext uri="{FF2B5EF4-FFF2-40B4-BE49-F238E27FC236}">
-                <a16:creationId xmlns:a16="http://schemas.microsoft.com/office/drawing/2014/main" xmlns="" id="{AFC5994E-4820-436E-A55D-FC53E5E2F333}"/>
+                <a16:creationId xmlns:a16="http://schemas.microsoft.com/office/drawing/2014/main" id="{AFC5994E-4820-436E-A55D-FC53E5E2F333}"/>
               </a:ext>
             </a:extLst>
           </p:cNvPr>
@@ -5345,7 +5345,7 @@
           <p:cNvPr id="8" name="Title 1">
             <a:extLst>
               <a:ext uri="{FF2B5EF4-FFF2-40B4-BE49-F238E27FC236}">
-                <a16:creationId xmlns:a16="http://schemas.microsoft.com/office/drawing/2014/main" xmlns="" id="{2F25215D-071F-4CB1-8A34-34B2236CBEA2}"/>
+                <a16:creationId xmlns:a16="http://schemas.microsoft.com/office/drawing/2014/main" id="{2F25215D-071F-4CB1-8A34-34B2236CBEA2}"/>
               </a:ext>
             </a:extLst>
           </p:cNvPr>
@@ -5458,8 +5458,8 @@
           <a:chExt cx="0" cy="0"/>
         </a:xfrm>
       </p:grpSpPr>
-      <mc:AlternateContent xmlns:mc="http://schemas.openxmlformats.org/markup-compatibility/2006" xmlns:a14="http://schemas.microsoft.com/office/drawing/2010/main">
-        <mc:Choice Requires="a14">
+      <mc:AlternateContent xmlns:mc="http://schemas.openxmlformats.org/markup-compatibility/2006">
+        <mc:Choice xmlns:a14="http://schemas.microsoft.com/office/drawing/2010/main" Requires="a14">
           <p:sp>
             <p:nvSpPr>
               <p:cNvPr id="3" name="Content Placeholder 2"/>
@@ -5518,7 +5518,7 @@
                 </a:pPr>
                 <a:r>
                   <a:rPr lang="en-US" sz="2000" dirty="0"/>
-                  <a:t>First to account simultaneously for APC variations </a:t>
+                  <a:t>First statistical model to account simultaneously for APC variations </a:t>
                 </a:r>
               </a:p>
               <a:p>
@@ -5852,18 +5852,6 @@
                         <a:rPr lang="en-US" sz="2000" i="1">
                           <a:latin typeface="Cambria Math"/>
                         </a:rPr>
-                        <m:t>𝑃𝑒𝑟𝑖𝑜𝑑</m:t>
-                      </m:r>
-                      <m:r>
-                        <a:rPr lang="en-US" sz="2000" i="1">
-                          <a:latin typeface="Cambria Math"/>
-                        </a:rPr>
-                        <m:t>−</m:t>
-                      </m:r>
-                      <m:r>
-                        <a:rPr lang="en-US" sz="2000" i="1">
-                          <a:latin typeface="Cambria Math"/>
-                        </a:rPr>
                         <m:t>𝐴𝑔𝑒</m:t>
                       </m:r>
                       <m:r>
@@ -5871,6 +5859,18 @@
                           <a:latin typeface="Cambria Math"/>
                         </a:rPr>
                         <m:t>=</m:t>
+                      </m:r>
+                      <m:r>
+                        <a:rPr lang="en-US" sz="2000" b="0" i="1" smtClean="0">
+                          <a:latin typeface="Cambria Math" panose="02040503050406030204" pitchFamily="18" charset="0"/>
+                        </a:rPr>
+                        <m:t>𝑃𝑒𝑟𝑖𝑜𝑑</m:t>
+                      </m:r>
+                      <m:r>
+                        <a:rPr lang="en-US" sz="2000" b="0" i="1" smtClean="0">
+                          <a:latin typeface="Cambria Math" panose="02040503050406030204" pitchFamily="18" charset="0"/>
+                        </a:rPr>
+                        <m:t> − </m:t>
                       </m:r>
                       <m:r>
                         <a:rPr lang="en-US" sz="2000" i="1">
@@ -5928,7 +5928,7 @@
             </p:txBody>
           </p:sp>
         </mc:Choice>
-        <mc:Fallback xmlns="">
+        <mc:Fallback>
           <p:sp>
             <p:nvSpPr>
               <p:cNvPr id="3" name="Content Placeholder 2"/>
@@ -5944,10 +5944,10 @@
                 <a:off x="609600" y="980729"/>
                 <a:ext cx="10972800" cy="3600400"/>
               </a:xfrm>
-              <a:blipFill rotWithShape="0">
+              <a:blipFill>
                 <a:blip r:embed="rId2"/>
                 <a:stretch>
-                  <a:fillRect l="-1000" t="-1695"/>
+                  <a:fillRect l="-1000" t="-2881"/>
                 </a:stretch>
               </a:blipFill>
             </p:spPr>
@@ -6030,7 +6030,7 @@
           <p:cNvPr id="8" name="Title 1">
             <a:extLst>
               <a:ext uri="{FF2B5EF4-FFF2-40B4-BE49-F238E27FC236}">
-                <a16:creationId xmlns:a16="http://schemas.microsoft.com/office/drawing/2014/main" xmlns="" id="{4E7FE4C8-AF1B-4E96-8703-8AD2C7D39F3B}"/>
+                <a16:creationId xmlns:a16="http://schemas.microsoft.com/office/drawing/2014/main" id="{4E7FE4C8-AF1B-4E96-8703-8AD2C7D39F3B}"/>
               </a:ext>
             </a:extLst>
           </p:cNvPr>
@@ -6098,6 +6098,9 @@
                     <p:cTn id="3" fill="hold">
                       <p:stCondLst>
                         <p:cond delay="indefinite"/>
+                        <p:cond evt="onBegin" delay="0">
+                          <p:tn val="2"/>
+                        </p:cond>
                       </p:stCondLst>
                       <p:childTnLst>
                         <p:par>
@@ -6107,7 +6110,7 @@
                             </p:stCondLst>
                             <p:childTnLst>
                               <p:par>
-                                <p:cTn id="5" presetID="1" presetClass="entr" presetSubtype="0" fill="hold" nodeType="clickEffect">
+                                <p:cTn id="5" presetID="1" presetClass="entr" presetSubtype="0" fill="hold" nodeType="withEffect">
                                   <p:stCondLst>
                                     <p:cond delay="0"/>
                                   </p:stCondLst>
@@ -6115,99 +6118,6 @@
                                     <p:set>
                                       <p:cBhvr>
                                         <p:cTn id="6" dur="1" fill="hold">
-                                          <p:stCondLst>
-                                            <p:cond delay="0"/>
-                                          </p:stCondLst>
-                                        </p:cTn>
-                                        <p:tgtEl>
-                                          <p:spTgt spid="3">
-                                            <p:txEl>
-                                              <p:pRg st="4" end="4"/>
-                                            </p:txEl>
-                                          </p:spTgt>
-                                        </p:tgtEl>
-                                        <p:attrNameLst>
-                                          <p:attrName>style.visibility</p:attrName>
-                                        </p:attrNameLst>
-                                      </p:cBhvr>
-                                      <p:to>
-                                        <p:strVal val="visible"/>
-                                      </p:to>
-                                    </p:set>
-                                  </p:childTnLst>
-                                </p:cTn>
-                              </p:par>
-                              <p:par>
-                                <p:cTn id="7" presetID="1" presetClass="entr" presetSubtype="0" fill="hold" nodeType="withEffect">
-                                  <p:stCondLst>
-                                    <p:cond delay="0"/>
-                                  </p:stCondLst>
-                                  <p:childTnLst>
-                                    <p:set>
-                                      <p:cBhvr>
-                                        <p:cTn id="8" dur="1" fill="hold">
-                                          <p:stCondLst>
-                                            <p:cond delay="0"/>
-                                          </p:stCondLst>
-                                        </p:cTn>
-                                        <p:tgtEl>
-                                          <p:spTgt spid="3">
-                                            <p:txEl>
-                                              <p:pRg st="5" end="5"/>
-                                            </p:txEl>
-                                          </p:spTgt>
-                                        </p:tgtEl>
-                                        <p:attrNameLst>
-                                          <p:attrName>style.visibility</p:attrName>
-                                        </p:attrNameLst>
-                                      </p:cBhvr>
-                                      <p:to>
-                                        <p:strVal val="visible"/>
-                                      </p:to>
-                                    </p:set>
-                                  </p:childTnLst>
-                                </p:cTn>
-                              </p:par>
-                              <p:par>
-                                <p:cTn id="9" presetID="1" presetClass="entr" presetSubtype="0" fill="hold" nodeType="withEffect">
-                                  <p:stCondLst>
-                                    <p:cond delay="0"/>
-                                  </p:stCondLst>
-                                  <p:childTnLst>
-                                    <p:set>
-                                      <p:cBhvr>
-                                        <p:cTn id="10" dur="1" fill="hold">
-                                          <p:stCondLst>
-                                            <p:cond delay="0"/>
-                                          </p:stCondLst>
-                                        </p:cTn>
-                                        <p:tgtEl>
-                                          <p:spTgt spid="3">
-                                            <p:txEl>
-                                              <p:pRg st="6" end="6"/>
-                                            </p:txEl>
-                                          </p:spTgt>
-                                        </p:tgtEl>
-                                        <p:attrNameLst>
-                                          <p:attrName>style.visibility</p:attrName>
-                                        </p:attrNameLst>
-                                      </p:cBhvr>
-                                      <p:to>
-                                        <p:strVal val="visible"/>
-                                      </p:to>
-                                    </p:set>
-                                  </p:childTnLst>
-                                </p:cTn>
-                              </p:par>
-                              <p:par>
-                                <p:cTn id="11" presetID="1" presetClass="entr" presetSubtype="0" fill="hold" nodeType="withEffect">
-                                  <p:stCondLst>
-                                    <p:cond delay="0"/>
-                                  </p:stCondLst>
-                                  <p:childTnLst>
-                                    <p:set>
-                                      <p:cBhvr>
-                                        <p:cTn id="12" dur="1" fill="hold">
                                           <p:stCondLst>
                                             <p:cond delay="0"/>
                                           </p:stCondLst>
@@ -6227,14 +6137,14 @@
                                 </p:cTn>
                               </p:par>
                               <p:par>
-                                <p:cTn id="13" presetID="1" presetClass="entr" presetSubtype="0" fill="hold" grpId="0" nodeType="withEffect">
+                                <p:cTn id="7" presetID="1" presetClass="entr" presetSubtype="0" fill="hold" grpId="0" nodeType="withEffect">
                                   <p:stCondLst>
                                     <p:cond delay="0"/>
                                   </p:stCondLst>
                                   <p:childTnLst>
                                     <p:set>
                                       <p:cBhvr>
-                                        <p:cTn id="14" dur="1" fill="hold">
+                                        <p:cTn id="8" dur="1" fill="hold">
                                           <p:stCondLst>
                                             <p:cond delay="0"/>
                                           </p:stCondLst>
@@ -6482,7 +6392,7 @@
           <p:cNvPr id="8" name="Title 1">
             <a:extLst>
               <a:ext uri="{FF2B5EF4-FFF2-40B4-BE49-F238E27FC236}">
-                <a16:creationId xmlns:a16="http://schemas.microsoft.com/office/drawing/2014/main" xmlns="" id="{9651C66D-FC8E-4635-820D-05FB3C1EB75E}"/>
+                <a16:creationId xmlns:a16="http://schemas.microsoft.com/office/drawing/2014/main" id="{9651C66D-FC8E-4635-820D-05FB3C1EB75E}"/>
               </a:ext>
             </a:extLst>
           </p:cNvPr>
@@ -6901,7 +6811,7 @@
           <p:cNvPr id="6" name="Title 1">
             <a:extLst>
               <a:ext uri="{FF2B5EF4-FFF2-40B4-BE49-F238E27FC236}">
-                <a16:creationId xmlns:a16="http://schemas.microsoft.com/office/drawing/2014/main" xmlns="" id="{8C5F03B1-6FD3-49C7-B214-F48FCE5BA15C}"/>
+                <a16:creationId xmlns:a16="http://schemas.microsoft.com/office/drawing/2014/main" id="{8C5F03B1-6FD3-49C7-B214-F48FCE5BA15C}"/>
               </a:ext>
             </a:extLst>
           </p:cNvPr>
@@ -7999,7 +7909,7 @@
           <p:cNvPr id="8" name="Title 1">
             <a:extLst>
               <a:ext uri="{FF2B5EF4-FFF2-40B4-BE49-F238E27FC236}">
-                <a16:creationId xmlns:a16="http://schemas.microsoft.com/office/drawing/2014/main" xmlns="" id="{05547744-759F-4AA7-852E-F0875C6E2B43}"/>
+                <a16:creationId xmlns:a16="http://schemas.microsoft.com/office/drawing/2014/main" id="{05547744-759F-4AA7-852E-F0875C6E2B43}"/>
               </a:ext>
             </a:extLst>
           </p:cNvPr>
@@ -8050,7 +7960,7 @@
           <p:cNvPr id="6" name="TextBox 5">
             <a:extLst>
               <a:ext uri="{FF2B5EF4-FFF2-40B4-BE49-F238E27FC236}">
-                <a16:creationId xmlns:a16="http://schemas.microsoft.com/office/drawing/2014/main" xmlns="" id="{9754AAB7-27BB-44C9-A15B-69C0E167F32F}"/>
+                <a16:creationId xmlns:a16="http://schemas.microsoft.com/office/drawing/2014/main" id="{9754AAB7-27BB-44C9-A15B-69C0E167F32F}"/>
               </a:ext>
             </a:extLst>
           </p:cNvPr>
@@ -8352,7 +8262,7 @@
           <p:cNvPr id="2" name="Title 1">
             <a:extLst>
               <a:ext uri="{FF2B5EF4-FFF2-40B4-BE49-F238E27FC236}">
-                <a16:creationId xmlns:a16="http://schemas.microsoft.com/office/drawing/2014/main" xmlns="" id="{2D7BA354-2B69-4CBF-A440-4572C3C4F7F6}"/>
+                <a16:creationId xmlns:a16="http://schemas.microsoft.com/office/drawing/2014/main" id="{2D7BA354-2B69-4CBF-A440-4572C3C4F7F6}"/>
               </a:ext>
             </a:extLst>
           </p:cNvPr>
@@ -8722,7 +8632,7 @@
               <p:cNvPr id="2" name="Rectangle 1">
                 <a:extLst>
                   <a:ext uri="{FF2B5EF4-FFF2-40B4-BE49-F238E27FC236}">
-                    <a16:creationId xmlns:a16="http://schemas.microsoft.com/office/drawing/2014/main" xmlns="" id="{2CF32BE5-CE67-466E-9C52-AAB471E5B78D}"/>
+                    <a16:creationId xmlns:a16="http://schemas.microsoft.com/office/drawing/2014/main" id="{2CF32BE5-CE67-466E-9C52-AAB471E5B78D}"/>
                   </a:ext>
                 </a:extLst>
               </p:cNvPr>
@@ -8964,7 +8874,7 @@
           <p:cNvPr id="4" name="Connector: Curved 3">
             <a:extLst>
               <a:ext uri="{FF2B5EF4-FFF2-40B4-BE49-F238E27FC236}">
-                <a16:creationId xmlns:a16="http://schemas.microsoft.com/office/drawing/2014/main" xmlns="" id="{95B484C6-780A-411A-96DD-32A77FF8B6FD}"/>
+                <a16:creationId xmlns:a16="http://schemas.microsoft.com/office/drawing/2014/main" id="{95B484C6-780A-411A-96DD-32A77FF8B6FD}"/>
               </a:ext>
             </a:extLst>
           </p:cNvPr>
@@ -9010,7 +8920,7 @@
           <p:cNvPr id="18" name="Connector: Curved 17">
             <a:extLst>
               <a:ext uri="{FF2B5EF4-FFF2-40B4-BE49-F238E27FC236}">
-                <a16:creationId xmlns:a16="http://schemas.microsoft.com/office/drawing/2014/main" xmlns="" id="{A62B0E0C-3791-4B2D-A772-7372A927866B}"/>
+                <a16:creationId xmlns:a16="http://schemas.microsoft.com/office/drawing/2014/main" id="{A62B0E0C-3791-4B2D-A772-7372A927866B}"/>
               </a:ext>
             </a:extLst>
           </p:cNvPr>
@@ -9056,7 +8966,7 @@
           <p:cNvPr id="3" name="TextBox 2">
             <a:extLst>
               <a:ext uri="{FF2B5EF4-FFF2-40B4-BE49-F238E27FC236}">
-                <a16:creationId xmlns:a16="http://schemas.microsoft.com/office/drawing/2014/main" xmlns="" id="{F4C4E670-14AC-433D-9C8D-BBA97EFFC017}"/>
+                <a16:creationId xmlns:a16="http://schemas.microsoft.com/office/drawing/2014/main" id="{F4C4E670-14AC-433D-9C8D-BBA97EFFC017}"/>
               </a:ext>
             </a:extLst>
           </p:cNvPr>
@@ -9473,7 +9383,7 @@
           <p:cNvPr id="4" name="Title 1">
             <a:extLst>
               <a:ext uri="{FF2B5EF4-FFF2-40B4-BE49-F238E27FC236}">
-                <a16:creationId xmlns:a16="http://schemas.microsoft.com/office/drawing/2014/main" xmlns="" id="{84CEFEE4-8DB4-4B7C-9676-3346C8DB15F3}"/>
+                <a16:creationId xmlns:a16="http://schemas.microsoft.com/office/drawing/2014/main" id="{84CEFEE4-8DB4-4B7C-9676-3346C8DB15F3}"/>
               </a:ext>
             </a:extLst>
           </p:cNvPr>
@@ -9524,7 +9434,7 @@
           <p:cNvPr id="5" name="Picture 4">
             <a:extLst>
               <a:ext uri="{FF2B5EF4-FFF2-40B4-BE49-F238E27FC236}">
-                <a16:creationId xmlns:a16="http://schemas.microsoft.com/office/drawing/2014/main" xmlns="" id="{BD7C6B9C-D54C-4215-ACA9-B4E9090253E9}"/>
+                <a16:creationId xmlns:a16="http://schemas.microsoft.com/office/drawing/2014/main" id="{BD7C6B9C-D54C-4215-ACA9-B4E9090253E9}"/>
               </a:ext>
             </a:extLst>
           </p:cNvPr>
@@ -9560,7 +9470,7 @@
           <p:cNvPr id="11" name="Picture 10">
             <a:extLst>
               <a:ext uri="{FF2B5EF4-FFF2-40B4-BE49-F238E27FC236}">
-                <a16:creationId xmlns:a16="http://schemas.microsoft.com/office/drawing/2014/main" xmlns="" id="{F2D64F12-6942-4405-AE60-EB553ED4E5FD}"/>
+                <a16:creationId xmlns:a16="http://schemas.microsoft.com/office/drawing/2014/main" id="{F2D64F12-6942-4405-AE60-EB553ED4E5FD}"/>
               </a:ext>
             </a:extLst>
           </p:cNvPr>
@@ -9596,7 +9506,7 @@
           <p:cNvPr id="12" name="TextBox 11">
             <a:extLst>
               <a:ext uri="{FF2B5EF4-FFF2-40B4-BE49-F238E27FC236}">
-                <a16:creationId xmlns:a16="http://schemas.microsoft.com/office/drawing/2014/main" xmlns="" id="{6FDEC361-2180-43CE-990C-A77AF9C1F91F}"/>
+                <a16:creationId xmlns:a16="http://schemas.microsoft.com/office/drawing/2014/main" id="{6FDEC361-2180-43CE-990C-A77AF9C1F91F}"/>
               </a:ext>
             </a:extLst>
           </p:cNvPr>
@@ -9631,7 +9541,7 @@
           <p:cNvPr id="14" name="Straight Connector 13">
             <a:extLst>
               <a:ext uri="{FF2B5EF4-FFF2-40B4-BE49-F238E27FC236}">
-                <a16:creationId xmlns:a16="http://schemas.microsoft.com/office/drawing/2014/main" xmlns="" id="{5AA1538C-4980-498B-B912-378DC795E01C}"/>
+                <a16:creationId xmlns:a16="http://schemas.microsoft.com/office/drawing/2014/main" id="{5AA1538C-4980-498B-B912-378DC795E01C}"/>
               </a:ext>
             </a:extLst>
           </p:cNvPr>
@@ -9885,10 +9795,9 @@
               <a:buNone/>
             </a:pPr>
             <a:r>
-              <a:rPr lang="en-US" sz="4000" b="1" dirty="0" smtClean="0"/>
+              <a:rPr lang="en-US" sz="4000" b="1" dirty="0"/>
               <a:t>Enough for now, let’s have a break!</a:t>
             </a:r>
-            <a:endParaRPr lang="en-US" sz="4000" b="1" dirty="0"/>
           </a:p>
         </p:txBody>
       </p:sp>
@@ -10093,7 +10002,7 @@
           <p:cNvPr id="5" name="Title 1">
             <a:extLst>
               <a:ext uri="{FF2B5EF4-FFF2-40B4-BE49-F238E27FC236}">
-                <a16:creationId xmlns:a16="http://schemas.microsoft.com/office/drawing/2014/main" xmlns="" id="{F6D882FA-475A-4E48-A526-59B78DBD0925}"/>
+                <a16:creationId xmlns:a16="http://schemas.microsoft.com/office/drawing/2014/main" id="{F6D882FA-475A-4E48-A526-59B78DBD0925}"/>
               </a:ext>
             </a:extLst>
           </p:cNvPr>
@@ -10425,7 +10334,7 @@
           <p:cNvPr id="5" name="Title 1">
             <a:extLst>
               <a:ext uri="{FF2B5EF4-FFF2-40B4-BE49-F238E27FC236}">
-                <a16:creationId xmlns:a16="http://schemas.microsoft.com/office/drawing/2014/main" xmlns="" id="{F6D882FA-475A-4E48-A526-59B78DBD0925}"/>
+                <a16:creationId xmlns:a16="http://schemas.microsoft.com/office/drawing/2014/main" id="{F6D882FA-475A-4E48-A526-59B78DBD0925}"/>
               </a:ext>
             </a:extLst>
           </p:cNvPr>
@@ -10777,7 +10686,7 @@
           <p:cNvPr id="5" name="Title 1">
             <a:extLst>
               <a:ext uri="{FF2B5EF4-FFF2-40B4-BE49-F238E27FC236}">
-                <a16:creationId xmlns:a16="http://schemas.microsoft.com/office/drawing/2014/main" xmlns="" id="{F6D882FA-475A-4E48-A526-59B78DBD0925}"/>
+                <a16:creationId xmlns:a16="http://schemas.microsoft.com/office/drawing/2014/main" id="{F6D882FA-475A-4E48-A526-59B78DBD0925}"/>
               </a:ext>
             </a:extLst>
           </p:cNvPr>
@@ -11100,7 +11009,7 @@
           <p:cNvPr id="7" name="Title 1">
             <a:extLst>
               <a:ext uri="{FF2B5EF4-FFF2-40B4-BE49-F238E27FC236}">
-                <a16:creationId xmlns:a16="http://schemas.microsoft.com/office/drawing/2014/main" xmlns="" id="{23D2FF63-4E37-451C-B4D1-F80570289000}"/>
+                <a16:creationId xmlns:a16="http://schemas.microsoft.com/office/drawing/2014/main" id="{23D2FF63-4E37-451C-B4D1-F80570289000}"/>
               </a:ext>
             </a:extLst>
           </p:cNvPr>
@@ -11159,7 +11068,7 @@
           <p:cNvPr id="9" name="Picture 8">
             <a:extLst>
               <a:ext uri="{FF2B5EF4-FFF2-40B4-BE49-F238E27FC236}">
-                <a16:creationId xmlns:a16="http://schemas.microsoft.com/office/drawing/2014/main" xmlns="" id="{EF97F8F3-E90E-4456-9FC0-9FD582667B69}"/>
+                <a16:creationId xmlns:a16="http://schemas.microsoft.com/office/drawing/2014/main" id="{EF97F8F3-E90E-4456-9FC0-9FD582667B69}"/>
               </a:ext>
             </a:extLst>
           </p:cNvPr>
@@ -11227,7 +11136,7 @@
           <p:cNvPr id="11" name="Content Placeholder 2">
             <a:extLst>
               <a:ext uri="{FF2B5EF4-FFF2-40B4-BE49-F238E27FC236}">
-                <a16:creationId xmlns:a16="http://schemas.microsoft.com/office/drawing/2014/main" xmlns="" id="{8DE35FEB-722F-4FE1-86A0-0BD47CA6C0ED}"/>
+                <a16:creationId xmlns:a16="http://schemas.microsoft.com/office/drawing/2014/main" id="{8DE35FEB-722F-4FE1-86A0-0BD47CA6C0ED}"/>
               </a:ext>
             </a:extLst>
           </p:cNvPr>
@@ -12045,7 +11954,7 @@
           <p:cNvPr id="7" name="Title 1">
             <a:extLst>
               <a:ext uri="{FF2B5EF4-FFF2-40B4-BE49-F238E27FC236}">
-                <a16:creationId xmlns:a16="http://schemas.microsoft.com/office/drawing/2014/main" xmlns="" id="{8C8FEB66-D396-4353-AE77-D2F4D3151913}"/>
+                <a16:creationId xmlns:a16="http://schemas.microsoft.com/office/drawing/2014/main" id="{8C8FEB66-D396-4353-AE77-D2F4D3151913}"/>
               </a:ext>
             </a:extLst>
           </p:cNvPr>
@@ -12096,7 +12005,7 @@
           <p:cNvPr id="4" name="Picture 3">
             <a:extLst>
               <a:ext uri="{FF2B5EF4-FFF2-40B4-BE49-F238E27FC236}">
-                <a16:creationId xmlns:a16="http://schemas.microsoft.com/office/drawing/2014/main" xmlns="" id="{BD22DD56-0998-4B69-8874-21B966E2FF37}"/>
+                <a16:creationId xmlns:a16="http://schemas.microsoft.com/office/drawing/2014/main" id="{BD22DD56-0998-4B69-8874-21B966E2FF37}"/>
               </a:ext>
             </a:extLst>
           </p:cNvPr>
@@ -12139,7 +12048,7 @@
           <p:cNvPr id="5" name="TextBox 4">
             <a:extLst>
               <a:ext uri="{FF2B5EF4-FFF2-40B4-BE49-F238E27FC236}">
-                <a16:creationId xmlns:a16="http://schemas.microsoft.com/office/drawing/2014/main" xmlns="" id="{8FA82878-752D-41D2-A882-437C2A0F37CD}"/>
+                <a16:creationId xmlns:a16="http://schemas.microsoft.com/office/drawing/2014/main" id="{8FA82878-752D-41D2-A882-437C2A0F37CD}"/>
               </a:ext>
             </a:extLst>
           </p:cNvPr>
@@ -12461,7 +12370,7 @@
           <p:cNvPr id="4" name="Title 1">
             <a:extLst>
               <a:ext uri="{FF2B5EF4-FFF2-40B4-BE49-F238E27FC236}">
-                <a16:creationId xmlns:a16="http://schemas.microsoft.com/office/drawing/2014/main" xmlns="" id="{AF7CA837-075C-477B-B516-A087BAC303A3}"/>
+                <a16:creationId xmlns:a16="http://schemas.microsoft.com/office/drawing/2014/main" id="{AF7CA837-075C-477B-B516-A087BAC303A3}"/>
               </a:ext>
             </a:extLst>
           </p:cNvPr>
@@ -12652,7 +12561,7 @@
           <p:cNvPr id="7" name="Title 1">
             <a:extLst>
               <a:ext uri="{FF2B5EF4-FFF2-40B4-BE49-F238E27FC236}">
-                <a16:creationId xmlns:a16="http://schemas.microsoft.com/office/drawing/2014/main" xmlns="" id="{8C8FEB66-D396-4353-AE77-D2F4D3151913}"/>
+                <a16:creationId xmlns:a16="http://schemas.microsoft.com/office/drawing/2014/main" id="{8C8FEB66-D396-4353-AE77-D2F4D3151913}"/>
               </a:ext>
             </a:extLst>
           </p:cNvPr>
@@ -12703,7 +12612,7 @@
           <p:cNvPr id="4" name="Table 3">
             <a:extLst>
               <a:ext uri="{FF2B5EF4-FFF2-40B4-BE49-F238E27FC236}">
-                <a16:creationId xmlns:a16="http://schemas.microsoft.com/office/drawing/2014/main" xmlns="" id="{A14872C6-E63F-43CB-A7CA-21CF297C5730}"/>
+                <a16:creationId xmlns:a16="http://schemas.microsoft.com/office/drawing/2014/main" id="{A14872C6-E63F-43CB-A7CA-21CF297C5730}"/>
               </a:ext>
             </a:extLst>
           </p:cNvPr>
@@ -12726,21 +12635,21 @@
                 <a:gridCol w="2262051">
                   <a:extLst>
                     <a:ext uri="{9D8B030D-6E8A-4147-A177-3AD203B41FA5}">
-                      <a16:colId xmlns:a16="http://schemas.microsoft.com/office/drawing/2014/main" xmlns="" val="20000"/>
+                      <a16:colId xmlns:a16="http://schemas.microsoft.com/office/drawing/2014/main" val="20000"/>
                     </a:ext>
                   </a:extLst>
                 </a:gridCol>
                 <a:gridCol w="4246878">
                   <a:extLst>
                     <a:ext uri="{9D8B030D-6E8A-4147-A177-3AD203B41FA5}">
-                      <a16:colId xmlns:a16="http://schemas.microsoft.com/office/drawing/2014/main" xmlns="" val="20001"/>
+                      <a16:colId xmlns:a16="http://schemas.microsoft.com/office/drawing/2014/main" val="20001"/>
                     </a:ext>
                   </a:extLst>
                 </a:gridCol>
                 <a:gridCol w="3356168">
                   <a:extLst>
                     <a:ext uri="{9D8B030D-6E8A-4147-A177-3AD203B41FA5}">
-                      <a16:colId xmlns:a16="http://schemas.microsoft.com/office/drawing/2014/main" xmlns="" val="20002"/>
+                      <a16:colId xmlns:a16="http://schemas.microsoft.com/office/drawing/2014/main" val="20002"/>
                     </a:ext>
                   </a:extLst>
                 </a:gridCol>
@@ -12928,7 +12837,7 @@
                 </a:tc>
                 <a:extLst>
                   <a:ext uri="{0D108BD9-81ED-4DB2-BD59-A6C34878D82A}">
-                    <a16:rowId xmlns:a16="http://schemas.microsoft.com/office/drawing/2014/main" xmlns="" val="10000"/>
+                    <a16:rowId xmlns:a16="http://schemas.microsoft.com/office/drawing/2014/main" val="10000"/>
                   </a:ext>
                 </a:extLst>
               </a:tr>
@@ -12941,7 +12850,7 @@
           <p:cNvPr id="5" name="Table 4">
             <a:extLst>
               <a:ext uri="{FF2B5EF4-FFF2-40B4-BE49-F238E27FC236}">
-                <a16:creationId xmlns:a16="http://schemas.microsoft.com/office/drawing/2014/main" xmlns="" id="{B4446F8B-03C8-4226-A22F-D4575A0684EE}"/>
+                <a16:creationId xmlns:a16="http://schemas.microsoft.com/office/drawing/2014/main" id="{B4446F8B-03C8-4226-A22F-D4575A0684EE}"/>
               </a:ext>
             </a:extLst>
           </p:cNvPr>
@@ -12966,21 +12875,21 @@
                 <a:gridCol w="2262051">
                   <a:extLst>
                     <a:ext uri="{9D8B030D-6E8A-4147-A177-3AD203B41FA5}">
-                      <a16:colId xmlns:a16="http://schemas.microsoft.com/office/drawing/2014/main" xmlns="" val="20000"/>
+                      <a16:colId xmlns:a16="http://schemas.microsoft.com/office/drawing/2014/main" val="20000"/>
                     </a:ext>
                   </a:extLst>
                 </a:gridCol>
                 <a:gridCol w="4246878">
                   <a:extLst>
                     <a:ext uri="{9D8B030D-6E8A-4147-A177-3AD203B41FA5}">
-                      <a16:colId xmlns:a16="http://schemas.microsoft.com/office/drawing/2014/main" xmlns="" val="20001"/>
+                      <a16:colId xmlns:a16="http://schemas.microsoft.com/office/drawing/2014/main" val="20001"/>
                     </a:ext>
                   </a:extLst>
                 </a:gridCol>
                 <a:gridCol w="3356167">
                   <a:extLst>
                     <a:ext uri="{9D8B030D-6E8A-4147-A177-3AD203B41FA5}">
-                      <a16:colId xmlns:a16="http://schemas.microsoft.com/office/drawing/2014/main" xmlns="" val="20002"/>
+                      <a16:colId xmlns:a16="http://schemas.microsoft.com/office/drawing/2014/main" val="20002"/>
                     </a:ext>
                   </a:extLst>
                 </a:gridCol>
@@ -13182,7 +13091,7 @@
                 </a:tc>
                 <a:extLst>
                   <a:ext uri="{0D108BD9-81ED-4DB2-BD59-A6C34878D82A}">
-                    <a16:rowId xmlns:a16="http://schemas.microsoft.com/office/drawing/2014/main" xmlns="" val="10000"/>
+                    <a16:rowId xmlns:a16="http://schemas.microsoft.com/office/drawing/2014/main" val="10000"/>
                   </a:ext>
                 </a:extLst>
               </a:tr>
@@ -13333,7 +13242,7 @@
                 </a:tc>
                 <a:extLst>
                   <a:ext uri="{0D108BD9-81ED-4DB2-BD59-A6C34878D82A}">
-                    <a16:rowId xmlns:a16="http://schemas.microsoft.com/office/drawing/2014/main" xmlns="" val="10001"/>
+                    <a16:rowId xmlns:a16="http://schemas.microsoft.com/office/drawing/2014/main" val="10001"/>
                   </a:ext>
                 </a:extLst>
               </a:tr>
@@ -13484,7 +13393,7 @@
                 </a:tc>
                 <a:extLst>
                   <a:ext uri="{0D108BD9-81ED-4DB2-BD59-A6C34878D82A}">
-                    <a16:rowId xmlns:a16="http://schemas.microsoft.com/office/drawing/2014/main" xmlns="" val="10002"/>
+                    <a16:rowId xmlns:a16="http://schemas.microsoft.com/office/drawing/2014/main" val="10002"/>
                   </a:ext>
                 </a:extLst>
               </a:tr>
@@ -13497,7 +13406,7 @@
           <p:cNvPr id="6" name="Table 5">
             <a:extLst>
               <a:ext uri="{FF2B5EF4-FFF2-40B4-BE49-F238E27FC236}">
-                <a16:creationId xmlns:a16="http://schemas.microsoft.com/office/drawing/2014/main" xmlns="" id="{3FCEC02B-2A0B-4987-8745-28BB865FE76B}"/>
+                <a16:creationId xmlns:a16="http://schemas.microsoft.com/office/drawing/2014/main" id="{3FCEC02B-2A0B-4987-8745-28BB865FE76B}"/>
               </a:ext>
             </a:extLst>
           </p:cNvPr>
@@ -13522,21 +13431,21 @@
                 <a:gridCol w="2262049">
                   <a:extLst>
                     <a:ext uri="{9D8B030D-6E8A-4147-A177-3AD203B41FA5}">
-                      <a16:colId xmlns:a16="http://schemas.microsoft.com/office/drawing/2014/main" xmlns="" val="20000"/>
+                      <a16:colId xmlns:a16="http://schemas.microsoft.com/office/drawing/2014/main" val="20000"/>
                     </a:ext>
                   </a:extLst>
                 </a:gridCol>
                 <a:gridCol w="4246879">
                   <a:extLst>
                     <a:ext uri="{9D8B030D-6E8A-4147-A177-3AD203B41FA5}">
-                      <a16:colId xmlns:a16="http://schemas.microsoft.com/office/drawing/2014/main" xmlns="" val="20001"/>
+                      <a16:colId xmlns:a16="http://schemas.microsoft.com/office/drawing/2014/main" val="20001"/>
                     </a:ext>
                   </a:extLst>
                 </a:gridCol>
                 <a:gridCol w="3356168">
                   <a:extLst>
                     <a:ext uri="{9D8B030D-6E8A-4147-A177-3AD203B41FA5}">
-                      <a16:colId xmlns:a16="http://schemas.microsoft.com/office/drawing/2014/main" xmlns="" val="20002"/>
+                      <a16:colId xmlns:a16="http://schemas.microsoft.com/office/drawing/2014/main" val="20002"/>
                     </a:ext>
                   </a:extLst>
                 </a:gridCol>
@@ -13730,7 +13639,7 @@
                 </a:tc>
                 <a:extLst>
                   <a:ext uri="{0D108BD9-81ED-4DB2-BD59-A6C34878D82A}">
-                    <a16:rowId xmlns:a16="http://schemas.microsoft.com/office/drawing/2014/main" xmlns="" val="10000"/>
+                    <a16:rowId xmlns:a16="http://schemas.microsoft.com/office/drawing/2014/main" val="10000"/>
                   </a:ext>
                 </a:extLst>
               </a:tr>
@@ -13743,7 +13652,7 @@
           <p:cNvPr id="8" name="Table 7">
             <a:extLst>
               <a:ext uri="{FF2B5EF4-FFF2-40B4-BE49-F238E27FC236}">
-                <a16:creationId xmlns:a16="http://schemas.microsoft.com/office/drawing/2014/main" xmlns="" id="{EBB0AB09-A602-4871-B1F5-0547EEE7ABAF}"/>
+                <a16:creationId xmlns:a16="http://schemas.microsoft.com/office/drawing/2014/main" id="{EBB0AB09-A602-4871-B1F5-0547EEE7ABAF}"/>
               </a:ext>
             </a:extLst>
           </p:cNvPr>
@@ -13768,21 +13677,21 @@
                 <a:gridCol w="2262051">
                   <a:extLst>
                     <a:ext uri="{9D8B030D-6E8A-4147-A177-3AD203B41FA5}">
-                      <a16:colId xmlns:a16="http://schemas.microsoft.com/office/drawing/2014/main" xmlns="" val="20000"/>
+                      <a16:colId xmlns:a16="http://schemas.microsoft.com/office/drawing/2014/main" val="20000"/>
                     </a:ext>
                   </a:extLst>
                 </a:gridCol>
                 <a:gridCol w="4246878">
                   <a:extLst>
                     <a:ext uri="{9D8B030D-6E8A-4147-A177-3AD203B41FA5}">
-                      <a16:colId xmlns:a16="http://schemas.microsoft.com/office/drawing/2014/main" xmlns="" val="20001"/>
+                      <a16:colId xmlns:a16="http://schemas.microsoft.com/office/drawing/2014/main" val="20001"/>
                     </a:ext>
                   </a:extLst>
                 </a:gridCol>
                 <a:gridCol w="3356168">
                   <a:extLst>
                     <a:ext uri="{9D8B030D-6E8A-4147-A177-3AD203B41FA5}">
-                      <a16:colId xmlns:a16="http://schemas.microsoft.com/office/drawing/2014/main" xmlns="" val="20002"/>
+                      <a16:colId xmlns:a16="http://schemas.microsoft.com/office/drawing/2014/main" val="20002"/>
                     </a:ext>
                   </a:extLst>
                 </a:gridCol>
@@ -13976,7 +13885,7 @@
                 </a:tc>
                 <a:extLst>
                   <a:ext uri="{0D108BD9-81ED-4DB2-BD59-A6C34878D82A}">
-                    <a16:rowId xmlns:a16="http://schemas.microsoft.com/office/drawing/2014/main" xmlns="" val="10000"/>
+                    <a16:rowId xmlns:a16="http://schemas.microsoft.com/office/drawing/2014/main" val="10000"/>
                   </a:ext>
                 </a:extLst>
               </a:tr>
